--- a/Handout_Presentation/26-Pres_TakeControlOverRevitCreatingToolsWithPyRevit_Jean-MarcCouffin.pptx
+++ b/Handout_Presentation/26-Pres_TakeControlOverRevitCreatingToolsWithPyRevit_Jean-MarcCouffin.pptx
@@ -6,10 +6,10 @@
     <p:sldMasterId id="2147483671" r:id="rId5"/>
   </p:sldMasterIdLst>
   <p:notesMasterIdLst>
-    <p:notesMasterId r:id="rId21"/>
+    <p:notesMasterId r:id="rId22"/>
   </p:notesMasterIdLst>
   <p:handoutMasterIdLst>
-    <p:handoutMasterId r:id="rId22"/>
+    <p:handoutMasterId r:id="rId23"/>
   </p:handoutMasterIdLst>
   <p:sldIdLst>
     <p:sldId id="256" r:id="rId6"/>
@@ -27,6 +27,7 @@
     <p:sldId id="266" r:id="rId18"/>
     <p:sldId id="274" r:id="rId19"/>
     <p:sldId id="268" r:id="rId20"/>
+    <p:sldId id="283" r:id="rId21"/>
   </p:sldIdLst>
   <p:sldSz cx="12192000" cy="6858000"/>
   <p:notesSz cx="6858000" cy="9144000"/>
@@ -236,7 +237,7 @@
           <a:p>
             <a:fld id="{9B5B0ABD-093B-4BA1-85AA-04D047FDDE61}" type="datetimeFigureOut">
               <a:rPr lang="en-US" smtClean="0"/>
-              <a:t>5/30/2022</a:t>
+              <a:t>6/9/2022</a:t>
             </a:fld>
             <a:endParaRPr lang="en-US"/>
           </a:p>
@@ -413,7 +414,7 @@
           <a:p>
             <a:fld id="{6A073CEC-3470-400D-A14B-8A8F26F2CCDC}" type="datetimeFigureOut">
               <a:rPr lang="en-AU" smtClean="0"/>
-              <a:t>30/05/2022</a:t>
+              <a:t>9/06/2022</a:t>
             </a:fld>
             <a:endParaRPr lang="en-AU"/>
           </a:p>
@@ -1481,7 +1482,7 @@
           </a:ln>
           <a:extLst>
             <a:ext uri="{C572A759-6A51-4108-AA02-DFA0A04FC94B}">
-              <ma14:wrappingTextBoxFlag xmlns="" xmlns:m="http://schemas.openxmlformats.org/officeDocument/2006/math" xmlns:a14="http://schemas.microsoft.com/office/drawing/2010/main" xmlns:ma14="http://schemas.microsoft.com/office/mac/drawingml/2011/main" val="1"/>
+              <ma14:wrappingTextBoxFlag xmlns:ma14="http://schemas.microsoft.com/office/mac/drawingml/2011/main" xmlns:a14="http://schemas.microsoft.com/office/drawing/2010/main" xmlns:m="http://schemas.openxmlformats.org/officeDocument/2006/math" xmlns="" val="1"/>
             </a:ext>
           </a:extLst>
         </p:spPr>
@@ -5355,6 +5356,332 @@
           <a:p>
             <a:pPr algn="ctr"/>
             <a:r>
+              <a:rPr lang="en-AU" dirty="0"/>
+              <a:t>T</a:t>
+            </a:r>
+            <a:r>
+              <a:rPr lang="en-AU" sz="3200" b="1" dirty="0">
+                <a:latin typeface="Arial" panose="020B0604020202020204" pitchFamily="34" charset="0"/>
+                <a:cs typeface="Arial" panose="020B0604020202020204" pitchFamily="34" charset="0"/>
+              </a:rPr>
+              <a:t>akeaway tricks?</a:t>
+            </a:r>
+            <a:endParaRPr lang="en-US" sz="3200" b="1" dirty="0">
+              <a:latin typeface="Arial" panose="020B0604020202020204" pitchFamily="34" charset="0"/>
+              <a:cs typeface="Arial" panose="020B0604020202020204" pitchFamily="34" charset="0"/>
+            </a:endParaRPr>
+          </a:p>
+        </p:txBody>
+      </p:sp>
+      <p:sp>
+        <p:nvSpPr>
+          <p:cNvPr id="5" name="AutoShape 2" descr="Linkedin Icon 2 Logo Vector SVG Icon - SVG Repo">
+            <a:extLst>
+              <a:ext uri="{FF2B5EF4-FFF2-40B4-BE49-F238E27FC236}">
+                <a16:creationId xmlns:a16="http://schemas.microsoft.com/office/drawing/2014/main" id="{955514E2-4FA3-4C90-647D-4F71DD672CAF}"/>
+              </a:ext>
+            </a:extLst>
+          </p:cNvPr>
+          <p:cNvSpPr>
+            <a:spLocks noChangeAspect="1" noChangeArrowheads="1"/>
+          </p:cNvSpPr>
+          <p:nvPr/>
+        </p:nvSpPr>
+        <p:spPr bwMode="auto">
+          <a:xfrm>
+            <a:off x="5943600" y="3276600"/>
+            <a:ext cx="304800" cy="304800"/>
+          </a:xfrm>
+          <a:prstGeom prst="rect">
+            <a:avLst/>
+          </a:prstGeom>
+          <a:noFill/>
+          <a:extLst>
+            <a:ext uri="{909E8E84-426E-40DD-AFC4-6F175D3DCCD1}">
+              <a14:hiddenFill xmlns:a14="http://schemas.microsoft.com/office/drawing/2010/main">
+                <a:solidFill>
+                  <a:srgbClr val="FFFFFF"/>
+                </a:solidFill>
+              </a14:hiddenFill>
+            </a:ext>
+          </a:extLst>
+        </p:spPr>
+        <p:txBody>
+          <a:bodyPr vert="horz" wrap="square" lIns="91440" tIns="45720" rIns="91440" bIns="45720" numCol="1" anchor="t" anchorCtr="0" compatLnSpc="1">
+            <a:prstTxWarp prst="textNoShape">
+              <a:avLst/>
+            </a:prstTxWarp>
+          </a:bodyPr>
+          <a:lstStyle/>
+          <a:p>
+            <a:endParaRPr lang="fr-FR"/>
+          </a:p>
+        </p:txBody>
+      </p:sp>
+      <p:sp>
+        <p:nvSpPr>
+          <p:cNvPr id="6" name="Sous-titre 5">
+            <a:extLst>
+              <a:ext uri="{FF2B5EF4-FFF2-40B4-BE49-F238E27FC236}">
+                <a16:creationId xmlns:a16="http://schemas.microsoft.com/office/drawing/2014/main" id="{CD4BD473-D7B7-5952-7321-C52615D34BBB}"/>
+              </a:ext>
+            </a:extLst>
+          </p:cNvPr>
+          <p:cNvSpPr>
+            <a:spLocks noGrp="1"/>
+          </p:cNvSpPr>
+          <p:nvPr>
+            <p:ph type="subTitle" idx="1"/>
+          </p:nvPr>
+        </p:nvSpPr>
+        <p:spPr>
+          <a:xfrm>
+            <a:off x="397780" y="1205345"/>
+            <a:ext cx="9211428" cy="4923990"/>
+          </a:xfrm>
+        </p:spPr>
+        <p:txBody>
+          <a:bodyPr/>
+          <a:lstStyle/>
+          <a:p>
+            <a:pPr algn="l"/>
+            <a:r>
+              <a:rPr lang="fr-FR" dirty="0"/>
+              <a:t>In Windows, WIN+V </a:t>
+            </a:r>
+            <a:r>
+              <a:rPr lang="fr-FR" dirty="0" err="1"/>
+              <a:t>gives</a:t>
+            </a:r>
+            <a:r>
+              <a:rPr lang="fr-FR" dirty="0"/>
+              <a:t> </a:t>
+            </a:r>
+            <a:r>
+              <a:rPr lang="fr-FR" dirty="0" err="1"/>
+              <a:t>you</a:t>
+            </a:r>
+            <a:r>
+              <a:rPr lang="fr-FR" dirty="0"/>
+              <a:t> the </a:t>
+            </a:r>
+            <a:r>
+              <a:rPr lang="fr-FR" dirty="0" err="1"/>
+              <a:t>cut</a:t>
+            </a:r>
+            <a:r>
+              <a:rPr lang="fr-FR" dirty="0"/>
+              <a:t> and paste </a:t>
+            </a:r>
+            <a:r>
+              <a:rPr lang="fr-FR" dirty="0" err="1"/>
+              <a:t>history</a:t>
+            </a:r>
+            <a:r>
+              <a:rPr lang="fr-FR" dirty="0"/>
+              <a:t> (+pin)</a:t>
+            </a:r>
+          </a:p>
+          <a:p>
+            <a:pPr algn="l"/>
+            <a:endParaRPr lang="fr-FR" dirty="0"/>
+          </a:p>
+          <a:p>
+            <a:pPr algn="l"/>
+            <a:endParaRPr lang="fr-FR" dirty="0"/>
+          </a:p>
+          <a:p>
+            <a:pPr algn="l"/>
+            <a:endParaRPr lang="fr-FR" dirty="0"/>
+          </a:p>
+          <a:p>
+            <a:pPr algn="l"/>
+            <a:endParaRPr lang="fr-FR" dirty="0"/>
+          </a:p>
+          <a:p>
+            <a:pPr algn="l"/>
+            <a:r>
+              <a:rPr lang="fr-FR" dirty="0"/>
+              <a:t>In </a:t>
+            </a:r>
+            <a:r>
+              <a:rPr lang="fr-FR" dirty="0" err="1"/>
+              <a:t>any</a:t>
+            </a:r>
+            <a:r>
+              <a:rPr lang="fr-FR" dirty="0"/>
+              <a:t> </a:t>
+            </a:r>
+            <a:r>
+              <a:rPr lang="fr-FR" dirty="0" err="1"/>
+              <a:t>Github</a:t>
+            </a:r>
+            <a:r>
+              <a:rPr lang="fr-FR" dirty="0"/>
+              <a:t> repository, </a:t>
+            </a:r>
+            <a:r>
+              <a:rPr lang="fr-FR" dirty="0" err="1"/>
+              <a:t>get</a:t>
+            </a:r>
+            <a:r>
+              <a:rPr lang="fr-FR" dirty="0"/>
+              <a:t> to </a:t>
+            </a:r>
+            <a:r>
+              <a:rPr lang="fr-FR" dirty="0" err="1"/>
+              <a:t>edit</a:t>
+            </a:r>
+            <a:r>
+              <a:rPr lang="fr-FR" dirty="0"/>
+              <a:t> the code in </a:t>
+            </a:r>
+            <a:r>
+              <a:rPr lang="fr-FR" dirty="0" err="1"/>
+              <a:t>vscode</a:t>
+            </a:r>
+            <a:r>
+              <a:rPr lang="fr-FR" dirty="0"/>
+              <a:t> on the web</a:t>
+            </a:r>
+          </a:p>
+        </p:txBody>
+      </p:sp>
+      <p:pic>
+        <p:nvPicPr>
+          <p:cNvPr id="8" name="Image 7">
+            <a:extLst>
+              <a:ext uri="{FF2B5EF4-FFF2-40B4-BE49-F238E27FC236}">
+                <a16:creationId xmlns:a16="http://schemas.microsoft.com/office/drawing/2014/main" id="{8F710119-1A4F-C749-5A70-7DA830FDC93E}"/>
+              </a:ext>
+            </a:extLst>
+          </p:cNvPr>
+          <p:cNvPicPr>
+            <a:picLocks noChangeAspect="1"/>
+          </p:cNvPicPr>
+          <p:nvPr/>
+        </p:nvPicPr>
+        <p:blipFill>
+          <a:blip r:embed="rId2"/>
+          <a:stretch>
+            <a:fillRect/>
+          </a:stretch>
+        </p:blipFill>
+        <p:spPr>
+          <a:xfrm>
+            <a:off x="629158" y="1660849"/>
+            <a:ext cx="2638095" cy="1219048"/>
+          </a:xfrm>
+          <a:prstGeom prst="rect">
+            <a:avLst/>
+          </a:prstGeom>
+        </p:spPr>
+      </p:pic>
+      <p:pic>
+        <p:nvPicPr>
+          <p:cNvPr id="13" name="Picture 2" descr="Web-Based Editor in Animated Action">
+            <a:extLst>
+              <a:ext uri="{FF2B5EF4-FFF2-40B4-BE49-F238E27FC236}">
+                <a16:creationId xmlns:a16="http://schemas.microsoft.com/office/drawing/2014/main" id="{CDDF61F0-4074-96AA-F169-7FCF5C429454}"/>
+              </a:ext>
+            </a:extLst>
+          </p:cNvPr>
+          <p:cNvPicPr>
+            <a:picLocks noChangeAspect="1" noChangeArrowheads="1"/>
+          </p:cNvPicPr>
+          <p:nvPr/>
+        </p:nvPicPr>
+        <p:blipFill>
+          <a:blip r:embed="rId3">
+            <a:extLst>
+              <a:ext uri="{28A0092B-C50C-407E-A947-70E740481C1C}">
+                <a14:useLocalDpi xmlns:a14="http://schemas.microsoft.com/office/drawing/2010/main" val="0"/>
+              </a:ext>
+            </a:extLst>
+          </a:blip>
+          <a:srcRect/>
+          <a:stretch>
+            <a:fillRect/>
+          </a:stretch>
+        </p:blipFill>
+        <p:spPr bwMode="auto">
+          <a:xfrm>
+            <a:off x="629158" y="3978104"/>
+            <a:ext cx="2857500" cy="1590675"/>
+          </a:xfrm>
+          <a:prstGeom prst="rect">
+            <a:avLst/>
+          </a:prstGeom>
+          <a:noFill/>
+          <a:extLst>
+            <a:ext uri="{909E8E84-426E-40DD-AFC4-6F175D3DCCD1}">
+              <a14:hiddenFill xmlns:a14="http://schemas.microsoft.com/office/drawing/2010/main">
+                <a:solidFill>
+                  <a:srgbClr val="FFFFFF"/>
+                </a:solidFill>
+              </a14:hiddenFill>
+            </a:ext>
+          </a:extLst>
+        </p:spPr>
+      </p:pic>
+    </p:spTree>
+    <p:extLst>
+      <p:ext uri="{BB962C8B-B14F-4D97-AF65-F5344CB8AC3E}">
+        <p14:creationId xmlns:p14="http://schemas.microsoft.com/office/powerpoint/2010/main" val="80576428"/>
+      </p:ext>
+    </p:extLst>
+  </p:cSld>
+  <p:clrMapOvr>
+    <a:masterClrMapping/>
+  </p:clrMapOvr>
+</p:sld>
+</file>
+
+<file path=ppt/slides/slide16.xml><?xml version="1.0" encoding="utf-8"?>
+<p:sld xmlns:a="http://schemas.openxmlformats.org/drawingml/2006/main" xmlns:r="http://schemas.openxmlformats.org/officeDocument/2006/relationships" xmlns:p="http://schemas.openxmlformats.org/presentationml/2006/main">
+  <p:cSld>
+    <p:spTree>
+      <p:nvGrpSpPr>
+        <p:cNvPr id="1" name=""/>
+        <p:cNvGrpSpPr/>
+        <p:nvPr/>
+      </p:nvGrpSpPr>
+      <p:grpSpPr>
+        <a:xfrm>
+          <a:off x="0" y="0"/>
+          <a:ext cx="0" cy="0"/>
+          <a:chOff x="0" y="0"/>
+          <a:chExt cx="0" cy="0"/>
+        </a:xfrm>
+      </p:grpSpPr>
+      <p:sp>
+        <p:nvSpPr>
+          <p:cNvPr id="2" name="Title 1">
+            <a:extLst>
+              <a:ext uri="{FF2B5EF4-FFF2-40B4-BE49-F238E27FC236}">
+                <a16:creationId xmlns:a16="http://schemas.microsoft.com/office/drawing/2014/main" id="{44F6BD5F-515B-4B88-90CA-0C16B7233F17}"/>
+              </a:ext>
+            </a:extLst>
+          </p:cNvPr>
+          <p:cNvSpPr>
+            <a:spLocks noGrp="1"/>
+          </p:cNvSpPr>
+          <p:nvPr>
+            <p:ph type="ctrTitle"/>
+          </p:nvPr>
+        </p:nvSpPr>
+        <p:spPr>
+          <a:xfrm>
+            <a:off x="397780" y="675625"/>
+            <a:ext cx="9211429" cy="985224"/>
+          </a:xfrm>
+        </p:spPr>
+        <p:txBody>
+          <a:bodyPr/>
+          <a:lstStyle/>
+          <a:p>
+            <a:pPr algn="ctr"/>
+            <a:r>
               <a:rPr lang="en-AU" sz="3200" b="1" dirty="0">
                 <a:latin typeface="Arial" panose="020B0604020202020204" pitchFamily="34" charset="0"/>
                 <a:cs typeface="Arial" panose="020B0604020202020204" pitchFamily="34" charset="0"/>
@@ -5628,7 +5955,7 @@
     </p:spTree>
     <p:extLst>
       <p:ext uri="{BB962C8B-B14F-4D97-AF65-F5344CB8AC3E}">
-        <p14:creationId xmlns:p14="http://schemas.microsoft.com/office/powerpoint/2010/main" val="80576428"/>
+        <p14:creationId xmlns:p14="http://schemas.microsoft.com/office/powerpoint/2010/main" val="613022361"/>
       </p:ext>
     </p:extLst>
   </p:cSld>
@@ -9257,15 +9584,6 @@
 </file>
 
 <file path=customXml/item1.xml><?xml version="1.0" encoding="utf-8"?>
-<?mso-contentType ?>
-<FormTemplates xmlns="http://schemas.microsoft.com/sharepoint/v3/contenttype/forms">
-  <Display>DocumentLibraryForm</Display>
-  <Edit>DocumentLibraryForm</Edit>
-  <New>DocumentLibraryForm</New>
-</FormTemplates>
-</file>
-
-<file path=customXml/item2.xml><?xml version="1.0" encoding="utf-8"?>
 <ct:contentTypeSchema xmlns:ct="http://schemas.microsoft.com/office/2006/metadata/contentType" xmlns:ma="http://schemas.microsoft.com/office/2006/metadata/properties/metaAttributes" ct:_="" ma:_="" ma:contentTypeName="Document" ma:contentTypeID="0x01010067954DE4A9F4B84AAF70BC0DDD409AE3" ma:contentTypeVersion="10" ma:contentTypeDescription="Create a new document." ma:contentTypeScope="" ma:versionID="d9662ac9380577aeecd58f5101017b9c">
   <xsd:schema xmlns:xsd="http://www.w3.org/2001/XMLSchema" xmlns:xs="http://www.w3.org/2001/XMLSchema" xmlns:p="http://schemas.microsoft.com/office/2006/metadata/properties" xmlns:ns2="06c65d0d-37b8-4430-81a7-b47e94f54234" xmlns:ns3="d1b79c30-372e-4cbc-ae38-79d9c8f96522" targetNamespace="http://schemas.microsoft.com/office/2006/metadata/properties" ma:root="true" ma:fieldsID="fe596b02439ff31073b0a5a0e6219d46" ns2:_="" ns3:_="">
     <xsd:import namespace="06c65d0d-37b8-4430-81a7-b47e94f54234"/>
@@ -9470,6 +9788,15 @@
 </ct:contentTypeSchema>
 </file>
 
+<file path=customXml/item2.xml><?xml version="1.0" encoding="utf-8"?>
+<?mso-contentType ?>
+<FormTemplates xmlns="http://schemas.microsoft.com/sharepoint/v3/contenttype/forms">
+  <Display>DocumentLibraryForm</Display>
+  <Edit>DocumentLibraryForm</Edit>
+  <New>DocumentLibraryForm</New>
+</FormTemplates>
+</file>
+
 <file path=customXml/item3.xml><?xml version="1.0" encoding="utf-8"?>
 <p:properties xmlns:p="http://schemas.microsoft.com/office/2006/metadata/properties" xmlns:xsi="http://www.w3.org/2001/XMLSchema-instance" xmlns:pc="http://schemas.microsoft.com/office/infopath/2007/PartnerControls">
   <documentManagement>
@@ -9485,14 +9812,6 @@
 </file>
 
 <file path=customXml/itemProps1.xml><?xml version="1.0" encoding="utf-8"?>
-<ds:datastoreItem xmlns:ds="http://schemas.openxmlformats.org/officeDocument/2006/customXml" ds:itemID="{B5A7CB0C-2BFF-4B62-B5C7-3BA419805CDA}">
-  <ds:schemaRefs>
-    <ds:schemaRef ds:uri="http://schemas.microsoft.com/sharepoint/v3/contenttype/forms"/>
-  </ds:schemaRefs>
-</ds:datastoreItem>
-</file>
-
-<file path=customXml/itemProps2.xml><?xml version="1.0" encoding="utf-8"?>
 <ds:datastoreItem xmlns:ds="http://schemas.openxmlformats.org/officeDocument/2006/customXml" ds:itemID="{AACAC637-233A-46F0-A168-242EC8AD7497}">
   <ds:schemaRefs>
     <ds:schemaRef ds:uri="http://schemas.microsoft.com/office/2006/metadata/contentType"/>
@@ -9511,6 +9830,14 @@
 </ds:datastoreItem>
 </file>
 
+<file path=customXml/itemProps2.xml><?xml version="1.0" encoding="utf-8"?>
+<ds:datastoreItem xmlns:ds="http://schemas.openxmlformats.org/officeDocument/2006/customXml" ds:itemID="{B5A7CB0C-2BFF-4B62-B5C7-3BA419805CDA}">
+  <ds:schemaRefs>
+    <ds:schemaRef ds:uri="http://schemas.microsoft.com/sharepoint/v3/contenttype/forms"/>
+  </ds:schemaRefs>
+</ds:datastoreItem>
+</file>
+
 <file path=customXml/itemProps3.xml><?xml version="1.0" encoding="utf-8"?>
 <ds:datastoreItem xmlns:ds="http://schemas.openxmlformats.org/officeDocument/2006/customXml" ds:itemID="{CE59CE6E-9E1C-42D7-A252-8EE5B4334EC5}">
   <ds:schemaRefs>
